--- a/day3/Day3_slides.pptx
+++ b/day3/Day3_slides.pptx
@@ -7126,8 +7126,14 @@
                 </a:solidFill>
                 <a:latin typeface="Corbel" panose="020B0503020204020204" pitchFamily="34" charset="0"/>
               </a:rPr>
-              <a:t>March 2016</a:t>
-            </a:r>
+              <a:t>July 2016</a:t>
+            </a:r>
+            <a:endParaRPr lang="en-US" sz="2000" i="1" dirty="0" smtClean="0">
+              <a:solidFill>
+                <a:prstClr val="black"/>
+              </a:solidFill>
+              <a:latin typeface="Corbel" panose="020B0503020204020204" pitchFamily="34" charset="0"/>
+            </a:endParaRPr>
           </a:p>
         </p:txBody>
       </p:sp>
